--- a/Kleinteile Regal präsentation.pptx
+++ b/Kleinteile Regal präsentation.pptx
@@ -4,6 +4,9 @@
   <p:sldMasterIdLst>
     <p:sldMasterId id="2147483648" r:id="rId1"/>
   </p:sldMasterIdLst>
+  <p:notesMasterIdLst>
+    <p:notesMasterId r:id="rId9"/>
+  </p:notesMasterIdLst>
   <p:sldIdLst>
     <p:sldId id="256" r:id="rId2"/>
     <p:sldId id="257" r:id="rId3"/>
@@ -11,6 +14,7 @@
     <p:sldId id="259" r:id="rId5"/>
     <p:sldId id="260" r:id="rId6"/>
     <p:sldId id="261" r:id="rId7"/>
+    <p:sldId id="262" r:id="rId8"/>
   </p:sldIdLst>
   <p:sldSz cx="12192000" cy="6858000"/>
   <p:notesSz cx="6858000" cy="9144000"/>
@@ -110,6 +114,548 @@
     </a:lvl9pPr>
   </p:defaultTextStyle>
 </p:presentation>
+</file>
+
+<file path=ppt/notesMasters/notesMaster1.xml><?xml version="1.0" encoding="utf-8"?>
+<p:notesMaster xmlns:a="http://schemas.openxmlformats.org/drawingml/2006/main" xmlns:r="http://schemas.openxmlformats.org/officeDocument/2006/relationships" xmlns:p="http://schemas.openxmlformats.org/presentationml/2006/main">
+  <p:cSld>
+    <p:bg>
+      <p:bgRef idx="1001">
+        <a:schemeClr val="bg1"/>
+      </p:bgRef>
+    </p:bg>
+    <p:spTree>
+      <p:nvGrpSpPr>
+        <p:cNvPr id="1" name=""/>
+        <p:cNvGrpSpPr/>
+        <p:nvPr/>
+      </p:nvGrpSpPr>
+      <p:grpSpPr>
+        <a:xfrm>
+          <a:off x="0" y="0"/>
+          <a:ext cx="0" cy="0"/>
+          <a:chOff x="0" y="0"/>
+          <a:chExt cx="0" cy="0"/>
+        </a:xfrm>
+      </p:grpSpPr>
+      <p:sp>
+        <p:nvSpPr>
+          <p:cNvPr id="2" name="Kopfzeilenplatzhalter 1"/>
+          <p:cNvSpPr>
+            <a:spLocks noGrp="1"/>
+          </p:cNvSpPr>
+          <p:nvPr>
+            <p:ph type="hdr" sz="quarter"/>
+          </p:nvPr>
+        </p:nvSpPr>
+        <p:spPr>
+          <a:xfrm>
+            <a:off x="0" y="0"/>
+            <a:ext cx="2971800" cy="458788"/>
+          </a:xfrm>
+          <a:prstGeom prst="rect">
+            <a:avLst/>
+          </a:prstGeom>
+        </p:spPr>
+        <p:txBody>
+          <a:bodyPr vert="horz" lIns="91440" tIns="45720" rIns="91440" bIns="45720" rtlCol="0"/>
+          <a:lstStyle>
+            <a:lvl1pPr algn="l">
+              <a:defRPr sz="1200"/>
+            </a:lvl1pPr>
+          </a:lstStyle>
+          <a:p>
+            <a:endParaRPr lang="de-CH"/>
+          </a:p>
+        </p:txBody>
+      </p:sp>
+      <p:sp>
+        <p:nvSpPr>
+          <p:cNvPr id="3" name="Datumsplatzhalter 2"/>
+          <p:cNvSpPr>
+            <a:spLocks noGrp="1"/>
+          </p:cNvSpPr>
+          <p:nvPr>
+            <p:ph type="dt" idx="1"/>
+          </p:nvPr>
+        </p:nvSpPr>
+        <p:spPr>
+          <a:xfrm>
+            <a:off x="3884613" y="0"/>
+            <a:ext cx="2971800" cy="458788"/>
+          </a:xfrm>
+          <a:prstGeom prst="rect">
+            <a:avLst/>
+          </a:prstGeom>
+        </p:spPr>
+        <p:txBody>
+          <a:bodyPr vert="horz" lIns="91440" tIns="45720" rIns="91440" bIns="45720" rtlCol="0"/>
+          <a:lstStyle>
+            <a:lvl1pPr algn="r">
+              <a:defRPr sz="1200"/>
+            </a:lvl1pPr>
+          </a:lstStyle>
+          <a:p>
+            <a:fld id="{29D858ED-D828-449A-88DC-4D3C2B2AAAFF}" type="datetimeFigureOut">
+              <a:rPr lang="de-CH" smtClean="0"/>
+              <a:t>01.06.2025</a:t>
+            </a:fld>
+            <a:endParaRPr lang="de-CH"/>
+          </a:p>
+        </p:txBody>
+      </p:sp>
+      <p:sp>
+        <p:nvSpPr>
+          <p:cNvPr id="4" name="Folienbildplatzhalter 3"/>
+          <p:cNvSpPr>
+            <a:spLocks noGrp="1" noRot="1" noChangeAspect="1"/>
+          </p:cNvSpPr>
+          <p:nvPr>
+            <p:ph type="sldImg" idx="2"/>
+          </p:nvPr>
+        </p:nvSpPr>
+        <p:spPr>
+          <a:xfrm>
+            <a:off x="685800" y="1143000"/>
+            <a:ext cx="5486400" cy="3086100"/>
+          </a:xfrm>
+          <a:prstGeom prst="rect">
+            <a:avLst/>
+          </a:prstGeom>
+          <a:noFill/>
+          <a:ln w="12700">
+            <a:solidFill>
+              <a:prstClr val="black"/>
+            </a:solidFill>
+          </a:ln>
+        </p:spPr>
+        <p:txBody>
+          <a:bodyPr vert="horz" lIns="91440" tIns="45720" rIns="91440" bIns="45720" rtlCol="0" anchor="ctr"/>
+          <a:lstStyle/>
+          <a:p>
+            <a:endParaRPr lang="de-CH"/>
+          </a:p>
+        </p:txBody>
+      </p:sp>
+      <p:sp>
+        <p:nvSpPr>
+          <p:cNvPr id="5" name="Notizenplatzhalter 4"/>
+          <p:cNvSpPr>
+            <a:spLocks noGrp="1"/>
+          </p:cNvSpPr>
+          <p:nvPr>
+            <p:ph type="body" sz="quarter" idx="3"/>
+          </p:nvPr>
+        </p:nvSpPr>
+        <p:spPr>
+          <a:xfrm>
+            <a:off x="685800" y="4400550"/>
+            <a:ext cx="5486400" cy="3600450"/>
+          </a:xfrm>
+          <a:prstGeom prst="rect">
+            <a:avLst/>
+          </a:prstGeom>
+        </p:spPr>
+        <p:txBody>
+          <a:bodyPr vert="horz" lIns="91440" tIns="45720" rIns="91440" bIns="45720" rtlCol="0"/>
+          <a:lstStyle/>
+          <a:p>
+            <a:pPr lvl="0"/>
+            <a:r>
+              <a:rPr lang="de-DE"/>
+              <a:t>Mastertextformat bearbeiten</a:t>
+            </a:r>
+          </a:p>
+          <a:p>
+            <a:pPr lvl="1"/>
+            <a:r>
+              <a:rPr lang="de-DE"/>
+              <a:t>Zweite Ebene</a:t>
+            </a:r>
+          </a:p>
+          <a:p>
+            <a:pPr lvl="2"/>
+            <a:r>
+              <a:rPr lang="de-DE"/>
+              <a:t>Dritte Ebene</a:t>
+            </a:r>
+          </a:p>
+          <a:p>
+            <a:pPr lvl="3"/>
+            <a:r>
+              <a:rPr lang="de-DE"/>
+              <a:t>Vierte Ebene</a:t>
+            </a:r>
+          </a:p>
+          <a:p>
+            <a:pPr lvl="4"/>
+            <a:r>
+              <a:rPr lang="de-DE"/>
+              <a:t>Fünfte Ebene</a:t>
+            </a:r>
+            <a:endParaRPr lang="de-CH"/>
+          </a:p>
+        </p:txBody>
+      </p:sp>
+      <p:sp>
+        <p:nvSpPr>
+          <p:cNvPr id="6" name="Fußzeilenplatzhalter 5"/>
+          <p:cNvSpPr>
+            <a:spLocks noGrp="1"/>
+          </p:cNvSpPr>
+          <p:nvPr>
+            <p:ph type="ftr" sz="quarter" idx="4"/>
+          </p:nvPr>
+        </p:nvSpPr>
+        <p:spPr>
+          <a:xfrm>
+            <a:off x="0" y="8685213"/>
+            <a:ext cx="2971800" cy="458787"/>
+          </a:xfrm>
+          <a:prstGeom prst="rect">
+            <a:avLst/>
+          </a:prstGeom>
+        </p:spPr>
+        <p:txBody>
+          <a:bodyPr vert="horz" lIns="91440" tIns="45720" rIns="91440" bIns="45720" rtlCol="0" anchor="b"/>
+          <a:lstStyle>
+            <a:lvl1pPr algn="l">
+              <a:defRPr sz="1200"/>
+            </a:lvl1pPr>
+          </a:lstStyle>
+          <a:p>
+            <a:endParaRPr lang="de-CH"/>
+          </a:p>
+        </p:txBody>
+      </p:sp>
+      <p:sp>
+        <p:nvSpPr>
+          <p:cNvPr id="7" name="Foliennummernplatzhalter 6"/>
+          <p:cNvSpPr>
+            <a:spLocks noGrp="1"/>
+          </p:cNvSpPr>
+          <p:nvPr>
+            <p:ph type="sldNum" sz="quarter" idx="5"/>
+          </p:nvPr>
+        </p:nvSpPr>
+        <p:spPr>
+          <a:xfrm>
+            <a:off x="3884613" y="8685213"/>
+            <a:ext cx="2971800" cy="458787"/>
+          </a:xfrm>
+          <a:prstGeom prst="rect">
+            <a:avLst/>
+          </a:prstGeom>
+        </p:spPr>
+        <p:txBody>
+          <a:bodyPr vert="horz" lIns="91440" tIns="45720" rIns="91440" bIns="45720" rtlCol="0" anchor="b"/>
+          <a:lstStyle>
+            <a:lvl1pPr algn="r">
+              <a:defRPr sz="1200"/>
+            </a:lvl1pPr>
+          </a:lstStyle>
+          <a:p>
+            <a:fld id="{59DEADAC-3A4F-4E09-9D20-B2BC7FCBFF1D}" type="slidenum">
+              <a:rPr lang="de-CH" smtClean="0"/>
+              <a:t>‹Nr.›</a:t>
+            </a:fld>
+            <a:endParaRPr lang="de-CH"/>
+          </a:p>
+        </p:txBody>
+      </p:sp>
+    </p:spTree>
+    <p:extLst>
+      <p:ext uri="{BB962C8B-B14F-4D97-AF65-F5344CB8AC3E}">
+        <p14:creationId xmlns:p14="http://schemas.microsoft.com/office/powerpoint/2010/main" val="4090912225"/>
+      </p:ext>
+    </p:extLst>
+  </p:cSld>
+  <p:clrMap bg1="lt1" tx1="dk1" bg2="lt2" tx2="dk2" accent1="accent1" accent2="accent2" accent3="accent3" accent4="accent4" accent5="accent5" accent6="accent6" hlink="hlink" folHlink="folHlink"/>
+  <p:notesStyle>
+    <a:lvl1pPr marL="0" algn="l" defTabSz="914400" rtl="0" eaLnBrk="1" latinLnBrk="0" hangingPunct="1">
+      <a:defRPr sz="1200" kern="1200">
+        <a:solidFill>
+          <a:schemeClr val="tx1"/>
+        </a:solidFill>
+        <a:latin typeface="+mn-lt"/>
+        <a:ea typeface="+mn-ea"/>
+        <a:cs typeface="+mn-cs"/>
+      </a:defRPr>
+    </a:lvl1pPr>
+    <a:lvl2pPr marL="457200" algn="l" defTabSz="914400" rtl="0" eaLnBrk="1" latinLnBrk="0" hangingPunct="1">
+      <a:defRPr sz="1200" kern="1200">
+        <a:solidFill>
+          <a:schemeClr val="tx1"/>
+        </a:solidFill>
+        <a:latin typeface="+mn-lt"/>
+        <a:ea typeface="+mn-ea"/>
+        <a:cs typeface="+mn-cs"/>
+      </a:defRPr>
+    </a:lvl2pPr>
+    <a:lvl3pPr marL="914400" algn="l" defTabSz="914400" rtl="0" eaLnBrk="1" latinLnBrk="0" hangingPunct="1">
+      <a:defRPr sz="1200" kern="1200">
+        <a:solidFill>
+          <a:schemeClr val="tx1"/>
+        </a:solidFill>
+        <a:latin typeface="+mn-lt"/>
+        <a:ea typeface="+mn-ea"/>
+        <a:cs typeface="+mn-cs"/>
+      </a:defRPr>
+    </a:lvl3pPr>
+    <a:lvl4pPr marL="1371600" algn="l" defTabSz="914400" rtl="0" eaLnBrk="1" latinLnBrk="0" hangingPunct="1">
+      <a:defRPr sz="1200" kern="1200">
+        <a:solidFill>
+          <a:schemeClr val="tx1"/>
+        </a:solidFill>
+        <a:latin typeface="+mn-lt"/>
+        <a:ea typeface="+mn-ea"/>
+        <a:cs typeface="+mn-cs"/>
+      </a:defRPr>
+    </a:lvl4pPr>
+    <a:lvl5pPr marL="1828800" algn="l" defTabSz="914400" rtl="0" eaLnBrk="1" latinLnBrk="0" hangingPunct="1">
+      <a:defRPr sz="1200" kern="1200">
+        <a:solidFill>
+          <a:schemeClr val="tx1"/>
+        </a:solidFill>
+        <a:latin typeface="+mn-lt"/>
+        <a:ea typeface="+mn-ea"/>
+        <a:cs typeface="+mn-cs"/>
+      </a:defRPr>
+    </a:lvl5pPr>
+    <a:lvl6pPr marL="2286000" algn="l" defTabSz="914400" rtl="0" eaLnBrk="1" latinLnBrk="0" hangingPunct="1">
+      <a:defRPr sz="1200" kern="1200">
+        <a:solidFill>
+          <a:schemeClr val="tx1"/>
+        </a:solidFill>
+        <a:latin typeface="+mn-lt"/>
+        <a:ea typeface="+mn-ea"/>
+        <a:cs typeface="+mn-cs"/>
+      </a:defRPr>
+    </a:lvl6pPr>
+    <a:lvl7pPr marL="2743200" algn="l" defTabSz="914400" rtl="0" eaLnBrk="1" latinLnBrk="0" hangingPunct="1">
+      <a:defRPr sz="1200" kern="1200">
+        <a:solidFill>
+          <a:schemeClr val="tx1"/>
+        </a:solidFill>
+        <a:latin typeface="+mn-lt"/>
+        <a:ea typeface="+mn-ea"/>
+        <a:cs typeface="+mn-cs"/>
+      </a:defRPr>
+    </a:lvl7pPr>
+    <a:lvl8pPr marL="3200400" algn="l" defTabSz="914400" rtl="0" eaLnBrk="1" latinLnBrk="0" hangingPunct="1">
+      <a:defRPr sz="1200" kern="1200">
+        <a:solidFill>
+          <a:schemeClr val="tx1"/>
+        </a:solidFill>
+        <a:latin typeface="+mn-lt"/>
+        <a:ea typeface="+mn-ea"/>
+        <a:cs typeface="+mn-cs"/>
+      </a:defRPr>
+    </a:lvl8pPr>
+    <a:lvl9pPr marL="3657600" algn="l" defTabSz="914400" rtl="0" eaLnBrk="1" latinLnBrk="0" hangingPunct="1">
+      <a:defRPr sz="1200" kern="1200">
+        <a:solidFill>
+          <a:schemeClr val="tx1"/>
+        </a:solidFill>
+        <a:latin typeface="+mn-lt"/>
+        <a:ea typeface="+mn-ea"/>
+        <a:cs typeface="+mn-cs"/>
+      </a:defRPr>
+    </a:lvl9pPr>
+  </p:notesStyle>
+</p:notesMaster>
+</file>
+
+<file path=ppt/notesSlides/notesSlide1.xml><?xml version="1.0" encoding="utf-8"?>
+<p:notes xmlns:a="http://schemas.openxmlformats.org/drawingml/2006/main" xmlns:r="http://schemas.openxmlformats.org/officeDocument/2006/relationships" xmlns:p="http://schemas.openxmlformats.org/presentationml/2006/main">
+  <p:cSld>
+    <p:spTree>
+      <p:nvGrpSpPr>
+        <p:cNvPr id="1" name=""/>
+        <p:cNvGrpSpPr/>
+        <p:nvPr/>
+      </p:nvGrpSpPr>
+      <p:grpSpPr>
+        <a:xfrm>
+          <a:off x="0" y="0"/>
+          <a:ext cx="0" cy="0"/>
+          <a:chOff x="0" y="0"/>
+          <a:chExt cx="0" cy="0"/>
+        </a:xfrm>
+      </p:grpSpPr>
+      <p:sp>
+        <p:nvSpPr>
+          <p:cNvPr id="2" name="Folienbildplatzhalter 1"/>
+          <p:cNvSpPr>
+            <a:spLocks noGrp="1" noRot="1" noChangeAspect="1"/>
+          </p:cNvSpPr>
+          <p:nvPr>
+            <p:ph type="sldImg"/>
+          </p:nvPr>
+        </p:nvSpPr>
+        <p:spPr/>
+      </p:sp>
+      <p:sp>
+        <p:nvSpPr>
+          <p:cNvPr id="3" name="Notizenplatzhalter 2"/>
+          <p:cNvSpPr>
+            <a:spLocks noGrp="1"/>
+          </p:cNvSpPr>
+          <p:nvPr>
+            <p:ph type="body" idx="1"/>
+          </p:nvPr>
+        </p:nvSpPr>
+        <p:spPr/>
+        <p:txBody>
+          <a:bodyPr/>
+          <a:lstStyle/>
+          <a:p>
+            <a:r>
+              <a:rPr lang="de-CH" dirty="0" err="1"/>
+              <a:t>Javascript</a:t>
+            </a:r>
+            <a:r>
+              <a:rPr lang="de-CH" dirty="0"/>
+              <a:t> Klasse</a:t>
+            </a:r>
+          </a:p>
+          <a:p>
+            <a:pPr marL="171450" indent="-171450">
+              <a:buFontTx/>
+              <a:buChar char="-"/>
+            </a:pPr>
+            <a:r>
+              <a:rPr lang="de-CH" dirty="0"/>
+              <a:t>Für Material, Lagerorte</a:t>
+            </a:r>
+          </a:p>
+          <a:p>
+            <a:pPr marL="171450" indent="-171450">
+              <a:buFontTx/>
+              <a:buChar char="-"/>
+            </a:pPr>
+            <a:endParaRPr lang="de-CH" dirty="0"/>
+          </a:p>
+        </p:txBody>
+      </p:sp>
+      <p:sp>
+        <p:nvSpPr>
+          <p:cNvPr id="4" name="Foliennummernplatzhalter 3"/>
+          <p:cNvSpPr>
+            <a:spLocks noGrp="1"/>
+          </p:cNvSpPr>
+          <p:nvPr>
+            <p:ph type="sldNum" sz="quarter" idx="5"/>
+          </p:nvPr>
+        </p:nvSpPr>
+        <p:spPr/>
+        <p:txBody>
+          <a:bodyPr/>
+          <a:lstStyle/>
+          <a:p>
+            <a:fld id="{59DEADAC-3A4F-4E09-9D20-B2BC7FCBFF1D}" type="slidenum">
+              <a:rPr lang="de-CH" smtClean="0"/>
+              <a:t>4</a:t>
+            </a:fld>
+            <a:endParaRPr lang="de-CH"/>
+          </a:p>
+        </p:txBody>
+      </p:sp>
+    </p:spTree>
+    <p:extLst>
+      <p:ext uri="{BB962C8B-B14F-4D97-AF65-F5344CB8AC3E}">
+        <p14:creationId xmlns:p14="http://schemas.microsoft.com/office/powerpoint/2010/main" val="1041132966"/>
+      </p:ext>
+    </p:extLst>
+  </p:cSld>
+  <p:clrMapOvr>
+    <a:masterClrMapping/>
+  </p:clrMapOvr>
+</p:notes>
+</file>
+
+<file path=ppt/notesSlides/notesSlide2.xml><?xml version="1.0" encoding="utf-8"?>
+<p:notes xmlns:a="http://schemas.openxmlformats.org/drawingml/2006/main" xmlns:r="http://schemas.openxmlformats.org/officeDocument/2006/relationships" xmlns:p="http://schemas.openxmlformats.org/presentationml/2006/main">
+  <p:cSld>
+    <p:spTree>
+      <p:nvGrpSpPr>
+        <p:cNvPr id="1" name=""/>
+        <p:cNvGrpSpPr/>
+        <p:nvPr/>
+      </p:nvGrpSpPr>
+      <p:grpSpPr>
+        <a:xfrm>
+          <a:off x="0" y="0"/>
+          <a:ext cx="0" cy="0"/>
+          <a:chOff x="0" y="0"/>
+          <a:chExt cx="0" cy="0"/>
+        </a:xfrm>
+      </p:grpSpPr>
+      <p:sp>
+        <p:nvSpPr>
+          <p:cNvPr id="2" name="Folienbildplatzhalter 1"/>
+          <p:cNvSpPr>
+            <a:spLocks noGrp="1" noRot="1" noChangeAspect="1"/>
+          </p:cNvSpPr>
+          <p:nvPr>
+            <p:ph type="sldImg"/>
+          </p:nvPr>
+        </p:nvSpPr>
+        <p:spPr/>
+      </p:sp>
+      <p:sp>
+        <p:nvSpPr>
+          <p:cNvPr id="3" name="Notizenplatzhalter 2"/>
+          <p:cNvSpPr>
+            <a:spLocks noGrp="1"/>
+          </p:cNvSpPr>
+          <p:nvPr>
+            <p:ph type="body" idx="1"/>
+          </p:nvPr>
+        </p:nvSpPr>
+        <p:spPr/>
+        <p:txBody>
+          <a:bodyPr/>
+          <a:lstStyle/>
+          <a:p>
+            <a:endParaRPr lang="de-CH"/>
+          </a:p>
+        </p:txBody>
+      </p:sp>
+      <p:sp>
+        <p:nvSpPr>
+          <p:cNvPr id="4" name="Foliennummernplatzhalter 3"/>
+          <p:cNvSpPr>
+            <a:spLocks noGrp="1"/>
+          </p:cNvSpPr>
+          <p:nvPr>
+            <p:ph type="sldNum" sz="quarter" idx="5"/>
+          </p:nvPr>
+        </p:nvSpPr>
+        <p:spPr/>
+        <p:txBody>
+          <a:bodyPr/>
+          <a:lstStyle/>
+          <a:p>
+            <a:fld id="{59DEADAC-3A4F-4E09-9D20-B2BC7FCBFF1D}" type="slidenum">
+              <a:rPr lang="de-CH" smtClean="0"/>
+              <a:t>7</a:t>
+            </a:fld>
+            <a:endParaRPr lang="de-CH"/>
+          </a:p>
+        </p:txBody>
+      </p:sp>
+    </p:spTree>
+    <p:extLst>
+      <p:ext uri="{BB962C8B-B14F-4D97-AF65-F5344CB8AC3E}">
+        <p14:creationId xmlns:p14="http://schemas.microsoft.com/office/powerpoint/2010/main" val="3700374638"/>
+      </p:ext>
+    </p:extLst>
+  </p:cSld>
+  <p:clrMapOvr>
+    <a:masterClrMapping/>
+  </p:clrMapOvr>
+</p:notes>
 </file>
 
 <file path=ppt/slideLayouts/slideLayout1.xml><?xml version="1.0" encoding="utf-8"?>
@@ -3573,7 +4119,7 @@
           <a:p>
             <a:r>
               <a:rPr lang="de-CH" dirty="0"/>
-              <a:t>Funktionsweise</a:t>
+              <a:t>Projektidee / Ziele</a:t>
             </a:r>
           </a:p>
         </p:txBody>
@@ -3601,13 +4147,27 @@
           <a:p>
             <a:r>
               <a:rPr lang="de-CH" dirty="0"/>
-              <a:t>Teile/Lagerorte anlegen</a:t>
-            </a:r>
-          </a:p>
-          <a:p>
+              <a:t>Kleinteilelager Buchungssystem für </a:t>
+            </a:r>
+            <a:r>
+              <a:rPr lang="de-CH" dirty="0" err="1"/>
+              <a:t>T.Abplanalp’s</a:t>
+            </a:r>
             <a:r>
               <a:rPr lang="de-CH" dirty="0"/>
-              <a:t>Teile an Lagerorten buchen (Bestandsänderung) </a:t>
+              <a:t> Lager</a:t>
+            </a:r>
+          </a:p>
+          <a:p>
+            <a:endParaRPr lang="de-CH" dirty="0"/>
+          </a:p>
+          <a:p>
+            <a:endParaRPr lang="de-CH" dirty="0"/>
+          </a:p>
+          <a:p>
+            <a:r>
+              <a:rPr lang="de-CH" dirty="0"/>
+              <a:t>Grundstein für automatisiertes Lager legen</a:t>
             </a:r>
           </a:p>
         </p:txBody>
@@ -4104,18 +4664,13 @@
           </a:p>
           <a:p>
             <a:r>
-              <a:rPr lang="de-CH" dirty="0" err="1">
+              <a:rPr lang="de-CH" dirty="0">
                 <a:solidFill>
                   <a:schemeClr val="bg1"/>
                 </a:solidFill>
               </a:rPr>
               <a:t>Fetch</a:t>
             </a:r>
-            <a:endParaRPr lang="de-CH" dirty="0">
-              <a:solidFill>
-                <a:schemeClr val="bg1"/>
-              </a:solidFill>
-            </a:endParaRPr>
           </a:p>
           <a:p>
             <a:r>
@@ -4149,18 +4704,13 @@
           </a:p>
           <a:p>
             <a:r>
-              <a:rPr lang="de-CH" dirty="0" err="1">
+              <a:rPr lang="de-CH" dirty="0">
                 <a:solidFill>
                   <a:schemeClr val="bg1"/>
                 </a:solidFill>
               </a:rPr>
               <a:t>order</a:t>
             </a:r>
-            <a:endParaRPr lang="de-CH" dirty="0">
-              <a:solidFill>
-                <a:schemeClr val="bg1"/>
-              </a:solidFill>
-            </a:endParaRPr>
           </a:p>
           <a:p>
             <a:endParaRPr lang="de-CH" dirty="0">
@@ -4258,7 +4808,7 @@
             <a:pPr algn="ctr"/>
             <a:r>
               <a:rPr lang="de-CH" dirty="0"/>
-              <a:t>Index</a:t>
+              <a:t>Home</a:t>
             </a:r>
           </a:p>
           <a:p>
@@ -4530,10 +5080,59 @@
           <a:bodyPr/>
           <a:lstStyle/>
           <a:p>
-            <a:endParaRPr lang="de-CH"/>
-          </a:p>
-        </p:txBody>
-      </p:sp>
+            <a:r>
+              <a:rPr lang="de-CH" dirty="0" err="1"/>
+              <a:t>Javascript</a:t>
+            </a:r>
+            <a:r>
+              <a:rPr lang="de-CH" dirty="0"/>
+              <a:t> Klasse</a:t>
+            </a:r>
+          </a:p>
+          <a:p>
+            <a:r>
+              <a:rPr lang="de-CH" dirty="0"/>
+              <a:t>Reaktiv (On Action -&gt; Update Tabelle)</a:t>
+            </a:r>
+          </a:p>
+          <a:p>
+            <a:r>
+              <a:rPr lang="de-CH" dirty="0"/>
+              <a:t>Eingabemasken als Overlays</a:t>
+            </a:r>
+          </a:p>
+        </p:txBody>
+      </p:sp>
+      <p:pic>
+        <p:nvPicPr>
+          <p:cNvPr id="5" name="Grafik 4">
+            <a:extLst>
+              <a:ext uri="{FF2B5EF4-FFF2-40B4-BE49-F238E27FC236}">
+                <a16:creationId xmlns:a16="http://schemas.microsoft.com/office/drawing/2014/main" id="{E22AFD21-B021-D38B-334D-375A34080597}"/>
+              </a:ext>
+            </a:extLst>
+          </p:cNvPr>
+          <p:cNvPicPr>
+            <a:picLocks noChangeAspect="1"/>
+          </p:cNvPicPr>
+          <p:nvPr/>
+        </p:nvPicPr>
+        <p:blipFill>
+          <a:blip r:embed="rId3"/>
+          <a:stretch>
+            <a:fillRect/>
+          </a:stretch>
+        </p:blipFill>
+        <p:spPr>
+          <a:xfrm>
+            <a:off x="7598874" y="1917700"/>
+            <a:ext cx="3978178" cy="3599304"/>
+          </a:xfrm>
+          <a:prstGeom prst="rect">
+            <a:avLst/>
+          </a:prstGeom>
+        </p:spPr>
+      </p:pic>
     </p:spTree>
     <p:extLst>
       <p:ext uri="{BB962C8B-B14F-4D97-AF65-F5344CB8AC3E}">
@@ -4659,6 +5258,1156 @@
     <p:extLst>
       <p:ext uri="{BB962C8B-B14F-4D97-AF65-F5344CB8AC3E}">
         <p14:creationId xmlns:p14="http://schemas.microsoft.com/office/powerpoint/2010/main" val="853598243"/>
+      </p:ext>
+    </p:extLst>
+  </p:cSld>
+  <p:clrMapOvr>
+    <a:masterClrMapping/>
+  </p:clrMapOvr>
+</p:sld>
+</file>
+
+<file path=ppt/slides/slide7.xml><?xml version="1.0" encoding="utf-8"?>
+<p:sld xmlns:a="http://schemas.openxmlformats.org/drawingml/2006/main" xmlns:r="http://schemas.openxmlformats.org/officeDocument/2006/relationships" xmlns:p="http://schemas.openxmlformats.org/presentationml/2006/main">
+  <p:cSld>
+    <p:spTree>
+      <p:nvGrpSpPr>
+        <p:cNvPr id="1" name=""/>
+        <p:cNvGrpSpPr/>
+        <p:nvPr/>
+      </p:nvGrpSpPr>
+      <p:grpSpPr>
+        <a:xfrm>
+          <a:off x="0" y="0"/>
+          <a:ext cx="0" cy="0"/>
+          <a:chOff x="0" y="0"/>
+          <a:chExt cx="0" cy="0"/>
+        </a:xfrm>
+      </p:grpSpPr>
+      <p:sp>
+        <p:nvSpPr>
+          <p:cNvPr id="4" name="Rechteck 3">
+            <a:extLst>
+              <a:ext uri="{FF2B5EF4-FFF2-40B4-BE49-F238E27FC236}">
+                <a16:creationId xmlns:a16="http://schemas.microsoft.com/office/drawing/2014/main" id="{E2F28096-D58D-FE4D-37C3-BC15ACCF3D6D}"/>
+              </a:ext>
+            </a:extLst>
+          </p:cNvPr>
+          <p:cNvSpPr/>
+          <p:nvPr/>
+        </p:nvSpPr>
+        <p:spPr>
+          <a:xfrm>
+            <a:off x="486748" y="2110350"/>
+            <a:ext cx="3230172" cy="3623259"/>
+          </a:xfrm>
+          <a:prstGeom prst="rect">
+            <a:avLst/>
+          </a:prstGeom>
+        </p:spPr>
+        <p:style>
+          <a:lnRef idx="2">
+            <a:schemeClr val="accent1">
+              <a:shade val="15000"/>
+            </a:schemeClr>
+          </a:lnRef>
+          <a:fillRef idx="1">
+            <a:schemeClr val="accent1"/>
+          </a:fillRef>
+          <a:effectRef idx="0">
+            <a:schemeClr val="accent1"/>
+          </a:effectRef>
+          <a:fontRef idx="minor">
+            <a:schemeClr val="lt1"/>
+          </a:fontRef>
+        </p:style>
+        <p:txBody>
+          <a:bodyPr rtlCol="0" anchor="t"/>
+          <a:lstStyle/>
+          <a:p>
+            <a:pPr algn="ctr"/>
+            <a:r>
+              <a:rPr lang="de-CH" dirty="0"/>
+              <a:t>Datenbank</a:t>
+            </a:r>
+          </a:p>
+          <a:p>
+            <a:pPr algn="ctr"/>
+            <a:endParaRPr lang="de-CH" dirty="0"/>
+          </a:p>
+        </p:txBody>
+      </p:sp>
+      <p:sp>
+        <p:nvSpPr>
+          <p:cNvPr id="5" name="Rechteck 4">
+            <a:extLst>
+              <a:ext uri="{FF2B5EF4-FFF2-40B4-BE49-F238E27FC236}">
+                <a16:creationId xmlns:a16="http://schemas.microsoft.com/office/drawing/2014/main" id="{517A1B65-8080-C939-9331-9C7B79C20A09}"/>
+              </a:ext>
+            </a:extLst>
+          </p:cNvPr>
+          <p:cNvSpPr/>
+          <p:nvPr/>
+        </p:nvSpPr>
+        <p:spPr>
+          <a:xfrm>
+            <a:off x="4790024" y="1715317"/>
+            <a:ext cx="2874569" cy="4278683"/>
+          </a:xfrm>
+          <a:prstGeom prst="rect">
+            <a:avLst/>
+          </a:prstGeom>
+        </p:spPr>
+        <p:style>
+          <a:lnRef idx="2">
+            <a:schemeClr val="accent1">
+              <a:shade val="15000"/>
+            </a:schemeClr>
+          </a:lnRef>
+          <a:fillRef idx="1">
+            <a:schemeClr val="accent1"/>
+          </a:fillRef>
+          <a:effectRef idx="0">
+            <a:schemeClr val="accent1"/>
+          </a:effectRef>
+          <a:fontRef idx="minor">
+            <a:schemeClr val="lt1"/>
+          </a:fontRef>
+        </p:style>
+        <p:txBody>
+          <a:bodyPr rtlCol="0" anchor="t"/>
+          <a:lstStyle/>
+          <a:p>
+            <a:pPr algn="ctr"/>
+            <a:r>
+              <a:rPr lang="de-CH" dirty="0"/>
+              <a:t>Server</a:t>
+            </a:r>
+          </a:p>
+        </p:txBody>
+      </p:sp>
+      <p:pic>
+        <p:nvPicPr>
+          <p:cNvPr id="6" name="Inhaltsplatzhalter 6">
+            <a:extLst>
+              <a:ext uri="{FF2B5EF4-FFF2-40B4-BE49-F238E27FC236}">
+                <a16:creationId xmlns:a16="http://schemas.microsoft.com/office/drawing/2014/main" id="{72101884-3D0F-2FFF-8237-EB1F575CDE77}"/>
+              </a:ext>
+            </a:extLst>
+          </p:cNvPr>
+          <p:cNvPicPr>
+            <a:picLocks noGrp="1" noChangeAspect="1"/>
+          </p:cNvPicPr>
+          <p:nvPr>
+            <p:ph idx="1"/>
+          </p:nvPr>
+        </p:nvPicPr>
+        <p:blipFill>
+          <a:blip r:embed="rId3">
+            <a:extLst>
+              <a:ext uri="{96DAC541-7B7A-43D3-8B79-37D633B846F1}">
+                <asvg:svgBlip xmlns:asvg="http://schemas.microsoft.com/office/drawing/2016/SVG/main" r:embed="rId4"/>
+              </a:ext>
+            </a:extLst>
+          </a:blip>
+          <a:stretch>
+            <a:fillRect/>
+          </a:stretch>
+        </p:blipFill>
+        <p:spPr>
+          <a:xfrm>
+            <a:off x="4838172" y="1174741"/>
+            <a:ext cx="834990" cy="417495"/>
+          </a:xfrm>
+        </p:spPr>
+      </p:pic>
+      <p:sp>
+        <p:nvSpPr>
+          <p:cNvPr id="7" name="Rechteck 6">
+            <a:extLst>
+              <a:ext uri="{FF2B5EF4-FFF2-40B4-BE49-F238E27FC236}">
+                <a16:creationId xmlns:a16="http://schemas.microsoft.com/office/drawing/2014/main" id="{412DD4BD-14FB-6E3A-8367-7CBA77B62C13}"/>
+              </a:ext>
+            </a:extLst>
+          </p:cNvPr>
+          <p:cNvSpPr/>
+          <p:nvPr/>
+        </p:nvSpPr>
+        <p:spPr>
+          <a:xfrm>
+            <a:off x="4910321" y="2110350"/>
+            <a:ext cx="2672277" cy="3839641"/>
+          </a:xfrm>
+          <a:prstGeom prst="rect">
+            <a:avLst/>
+          </a:prstGeom>
+          <a:solidFill>
+            <a:schemeClr val="bg1"/>
+          </a:solidFill>
+        </p:spPr>
+        <p:style>
+          <a:lnRef idx="2">
+            <a:schemeClr val="accent2">
+              <a:shade val="15000"/>
+            </a:schemeClr>
+          </a:lnRef>
+          <a:fillRef idx="1">
+            <a:schemeClr val="accent2"/>
+          </a:fillRef>
+          <a:effectRef idx="0">
+            <a:schemeClr val="accent2"/>
+          </a:effectRef>
+          <a:fontRef idx="minor">
+            <a:schemeClr val="lt1"/>
+          </a:fontRef>
+        </p:style>
+        <p:txBody>
+          <a:bodyPr rtlCol="0" anchor="t"/>
+          <a:lstStyle/>
+          <a:p>
+            <a:pPr algn="ctr"/>
+            <a:r>
+              <a:rPr lang="de-CH" dirty="0">
+                <a:solidFill>
+                  <a:schemeClr val="tx1"/>
+                </a:solidFill>
+              </a:rPr>
+              <a:t>Skyline</a:t>
+            </a:r>
+          </a:p>
+        </p:txBody>
+      </p:sp>
+      <p:pic>
+        <p:nvPicPr>
+          <p:cNvPr id="8" name="Grafik 7" descr="Ein Bild, das Logo, Text, Schrift, Electric Blue (Farbe) enthält.&#10;&#10;KI-generierte Inhalte können fehlerhaft sein.">
+            <a:extLst>
+              <a:ext uri="{FF2B5EF4-FFF2-40B4-BE49-F238E27FC236}">
+                <a16:creationId xmlns:a16="http://schemas.microsoft.com/office/drawing/2014/main" id="{DD40E287-2267-3916-BCF7-C8B5388C6F0D}"/>
+              </a:ext>
+            </a:extLst>
+          </p:cNvPr>
+          <p:cNvPicPr>
+            <a:picLocks noChangeAspect="1"/>
+          </p:cNvPicPr>
+          <p:nvPr/>
+        </p:nvPicPr>
+        <p:blipFill>
+          <a:blip r:embed="rId5">
+            <a:extLst>
+              <a:ext uri="{28A0092B-C50C-407E-A947-70E740481C1C}">
+                <a14:useLocalDpi xmlns:a14="http://schemas.microsoft.com/office/drawing/2010/main" val="0"/>
+              </a:ext>
+            </a:extLst>
+          </a:blip>
+          <a:stretch>
+            <a:fillRect/>
+          </a:stretch>
+        </p:blipFill>
+        <p:spPr>
+          <a:xfrm>
+            <a:off x="600672" y="2322317"/>
+            <a:ext cx="566881" cy="424563"/>
+          </a:xfrm>
+          <a:prstGeom prst="rect">
+            <a:avLst/>
+          </a:prstGeom>
+        </p:spPr>
+      </p:pic>
+      <p:sp>
+        <p:nvSpPr>
+          <p:cNvPr id="9" name="Rechteck 8">
+            <a:extLst>
+              <a:ext uri="{FF2B5EF4-FFF2-40B4-BE49-F238E27FC236}">
+                <a16:creationId xmlns:a16="http://schemas.microsoft.com/office/drawing/2014/main" id="{2832C36B-F02C-95A0-0C3D-556EC433661E}"/>
+              </a:ext>
+            </a:extLst>
+          </p:cNvPr>
+          <p:cNvSpPr/>
+          <p:nvPr/>
+        </p:nvSpPr>
+        <p:spPr>
+          <a:xfrm>
+            <a:off x="5116554" y="3686467"/>
+            <a:ext cx="2325404" cy="2210701"/>
+          </a:xfrm>
+          <a:prstGeom prst="rect">
+            <a:avLst/>
+          </a:prstGeom>
+        </p:spPr>
+        <p:style>
+          <a:lnRef idx="2">
+            <a:schemeClr val="accent4">
+              <a:shade val="15000"/>
+            </a:schemeClr>
+          </a:lnRef>
+          <a:fillRef idx="1">
+            <a:schemeClr val="accent4"/>
+          </a:fillRef>
+          <a:effectRef idx="0">
+            <a:schemeClr val="accent4"/>
+          </a:effectRef>
+          <a:fontRef idx="minor">
+            <a:schemeClr val="lt1"/>
+          </a:fontRef>
+        </p:style>
+        <p:txBody>
+          <a:bodyPr rtlCol="0" anchor="t"/>
+          <a:lstStyle/>
+          <a:p>
+            <a:pPr algn="ctr"/>
+            <a:r>
+              <a:rPr lang="de-CH" b="1" dirty="0"/>
+              <a:t>API</a:t>
+            </a:r>
+          </a:p>
+        </p:txBody>
+      </p:sp>
+      <p:sp>
+        <p:nvSpPr>
+          <p:cNvPr id="10" name="Textfeld 9">
+            <a:extLst>
+              <a:ext uri="{FF2B5EF4-FFF2-40B4-BE49-F238E27FC236}">
+                <a16:creationId xmlns:a16="http://schemas.microsoft.com/office/drawing/2014/main" id="{EFF3DBFD-50C2-8CA7-4BFD-5748C49E37BE}"/>
+              </a:ext>
+            </a:extLst>
+          </p:cNvPr>
+          <p:cNvSpPr txBox="1"/>
+          <p:nvPr/>
+        </p:nvSpPr>
+        <p:spPr>
+          <a:xfrm>
+            <a:off x="5338563" y="4238585"/>
+            <a:ext cx="875745" cy="307777"/>
+          </a:xfrm>
+          <a:prstGeom prst="rect">
+            <a:avLst/>
+          </a:prstGeom>
+          <a:noFill/>
+        </p:spPr>
+        <p:txBody>
+          <a:bodyPr wrap="square" rtlCol="0">
+            <a:spAutoFit/>
+          </a:bodyPr>
+          <a:lstStyle/>
+          <a:p>
+            <a:r>
+              <a:rPr lang="de-CH" sz="1400" dirty="0">
+                <a:solidFill>
+                  <a:schemeClr val="bg1"/>
+                </a:solidFill>
+              </a:rPr>
+              <a:t>Material</a:t>
+            </a:r>
+          </a:p>
+        </p:txBody>
+      </p:sp>
+      <p:sp>
+        <p:nvSpPr>
+          <p:cNvPr id="11" name="Textfeld 10">
+            <a:extLst>
+              <a:ext uri="{FF2B5EF4-FFF2-40B4-BE49-F238E27FC236}">
+                <a16:creationId xmlns:a16="http://schemas.microsoft.com/office/drawing/2014/main" id="{29C84709-7129-DD07-153E-F1FFC504C3C4}"/>
+              </a:ext>
+            </a:extLst>
+          </p:cNvPr>
+          <p:cNvSpPr txBox="1"/>
+          <p:nvPr/>
+        </p:nvSpPr>
+        <p:spPr>
+          <a:xfrm>
+            <a:off x="5327883" y="5097813"/>
+            <a:ext cx="886425" cy="307777"/>
+          </a:xfrm>
+          <a:prstGeom prst="rect">
+            <a:avLst/>
+          </a:prstGeom>
+          <a:noFill/>
+        </p:spPr>
+        <p:txBody>
+          <a:bodyPr wrap="square" rtlCol="0">
+            <a:spAutoFit/>
+          </a:bodyPr>
+          <a:lstStyle/>
+          <a:p>
+            <a:r>
+              <a:rPr lang="de-CH" sz="1400" dirty="0">
+                <a:solidFill>
+                  <a:schemeClr val="bg1"/>
+                </a:solidFill>
+              </a:rPr>
+              <a:t>Bestand</a:t>
+            </a:r>
+          </a:p>
+        </p:txBody>
+      </p:sp>
+      <p:sp>
+        <p:nvSpPr>
+          <p:cNvPr id="12" name="Textfeld 11">
+            <a:extLst>
+              <a:ext uri="{FF2B5EF4-FFF2-40B4-BE49-F238E27FC236}">
+                <a16:creationId xmlns:a16="http://schemas.microsoft.com/office/drawing/2014/main" id="{443F4560-C211-1B64-F14E-00B5B1F2427F}"/>
+              </a:ext>
+            </a:extLst>
+          </p:cNvPr>
+          <p:cNvSpPr txBox="1"/>
+          <p:nvPr/>
+        </p:nvSpPr>
+        <p:spPr>
+          <a:xfrm>
+            <a:off x="5314422" y="4698203"/>
+            <a:ext cx="992437" cy="307777"/>
+          </a:xfrm>
+          <a:prstGeom prst="rect">
+            <a:avLst/>
+          </a:prstGeom>
+          <a:noFill/>
+        </p:spPr>
+        <p:txBody>
+          <a:bodyPr wrap="square" rtlCol="0">
+            <a:spAutoFit/>
+          </a:bodyPr>
+          <a:lstStyle/>
+          <a:p>
+            <a:r>
+              <a:rPr lang="de-CH" sz="1400" dirty="0">
+                <a:solidFill>
+                  <a:schemeClr val="bg1"/>
+                </a:solidFill>
+              </a:rPr>
+              <a:t>Lagerorte</a:t>
+            </a:r>
+            <a:endParaRPr lang="de-CH" dirty="0">
+              <a:solidFill>
+                <a:schemeClr val="bg1"/>
+              </a:solidFill>
+            </a:endParaRPr>
+          </a:p>
+        </p:txBody>
+      </p:sp>
+      <p:sp>
+        <p:nvSpPr>
+          <p:cNvPr id="13" name="Textfeld 12">
+            <a:extLst>
+              <a:ext uri="{FF2B5EF4-FFF2-40B4-BE49-F238E27FC236}">
+                <a16:creationId xmlns:a16="http://schemas.microsoft.com/office/drawing/2014/main" id="{B03D7422-8964-218F-DC21-725026B03A99}"/>
+              </a:ext>
+            </a:extLst>
+          </p:cNvPr>
+          <p:cNvSpPr txBox="1"/>
+          <p:nvPr/>
+        </p:nvSpPr>
+        <p:spPr>
+          <a:xfrm>
+            <a:off x="6454482" y="4152040"/>
+            <a:ext cx="773219" cy="1600438"/>
+          </a:xfrm>
+          <a:prstGeom prst="rect">
+            <a:avLst/>
+          </a:prstGeom>
+          <a:noFill/>
+        </p:spPr>
+        <p:txBody>
+          <a:bodyPr wrap="square" rtlCol="0">
+            <a:spAutoFit/>
+          </a:bodyPr>
+          <a:lstStyle/>
+          <a:p>
+            <a:r>
+              <a:rPr lang="de-CH" sz="1400" dirty="0">
+                <a:solidFill>
+                  <a:schemeClr val="bg1"/>
+                </a:solidFill>
+              </a:rPr>
+              <a:t>List</a:t>
+            </a:r>
+          </a:p>
+          <a:p>
+            <a:r>
+              <a:rPr lang="de-CH" sz="1400" dirty="0">
+                <a:solidFill>
+                  <a:schemeClr val="bg1"/>
+                </a:solidFill>
+              </a:rPr>
+              <a:t>Fetch</a:t>
+            </a:r>
+          </a:p>
+          <a:p>
+            <a:r>
+              <a:rPr lang="de-CH" sz="1400" dirty="0">
+                <a:solidFill>
+                  <a:schemeClr val="bg1"/>
+                </a:solidFill>
+              </a:rPr>
+              <a:t>Add</a:t>
+            </a:r>
+          </a:p>
+          <a:p>
+            <a:r>
+              <a:rPr lang="de-CH" sz="1400" dirty="0">
+                <a:solidFill>
+                  <a:schemeClr val="bg1"/>
+                </a:solidFill>
+              </a:rPr>
+              <a:t>Delete</a:t>
+            </a:r>
+          </a:p>
+          <a:p>
+            <a:r>
+              <a:rPr lang="de-CH" sz="1400" dirty="0">
+                <a:solidFill>
+                  <a:schemeClr val="bg1"/>
+                </a:solidFill>
+              </a:rPr>
+              <a:t>Search</a:t>
+            </a:r>
+          </a:p>
+          <a:p>
+            <a:r>
+              <a:rPr lang="de-CH" sz="1400" dirty="0">
+                <a:solidFill>
+                  <a:schemeClr val="bg1"/>
+                </a:solidFill>
+              </a:rPr>
+              <a:t>order</a:t>
+            </a:r>
+          </a:p>
+          <a:p>
+            <a:endParaRPr lang="de-CH" sz="1400" dirty="0">
+              <a:solidFill>
+                <a:schemeClr val="bg1"/>
+              </a:solidFill>
+            </a:endParaRPr>
+          </a:p>
+        </p:txBody>
+      </p:sp>
+      <p:pic>
+        <p:nvPicPr>
+          <p:cNvPr id="14" name="Grafik 13" descr="Ein Bild, das Text, Diagramm, Plan, technische Zeichnung enthält.&#10;&#10;KI-generierte Inhalte können fehlerhaft sein.">
+            <a:extLst>
+              <a:ext uri="{FF2B5EF4-FFF2-40B4-BE49-F238E27FC236}">
+                <a16:creationId xmlns:a16="http://schemas.microsoft.com/office/drawing/2014/main" id="{4E4DBAAF-873F-7D47-1F73-51D13008ED55}"/>
+              </a:ext>
+            </a:extLst>
+          </p:cNvPr>
+          <p:cNvPicPr>
+            <a:picLocks noChangeAspect="1"/>
+          </p:cNvPicPr>
+          <p:nvPr/>
+        </p:nvPicPr>
+        <p:blipFill>
+          <a:blip r:embed="rId6">
+            <a:extLst>
+              <a:ext uri="{28A0092B-C50C-407E-A947-70E740481C1C}">
+                <a14:useLocalDpi xmlns:a14="http://schemas.microsoft.com/office/drawing/2010/main" val="0"/>
+              </a:ext>
+            </a:extLst>
+          </a:blip>
+          <a:stretch>
+            <a:fillRect/>
+          </a:stretch>
+        </p:blipFill>
+        <p:spPr>
+          <a:xfrm>
+            <a:off x="600672" y="2958846"/>
+            <a:ext cx="3019860" cy="2575587"/>
+          </a:xfrm>
+          <a:prstGeom prst="rect">
+            <a:avLst/>
+          </a:prstGeom>
+        </p:spPr>
+      </p:pic>
+      <p:sp>
+        <p:nvSpPr>
+          <p:cNvPr id="15" name="Rechteck 14">
+            <a:extLst>
+              <a:ext uri="{FF2B5EF4-FFF2-40B4-BE49-F238E27FC236}">
+                <a16:creationId xmlns:a16="http://schemas.microsoft.com/office/drawing/2014/main" id="{9E13CD51-74E2-45CD-C6F6-5087EE2EAE26}"/>
+              </a:ext>
+            </a:extLst>
+          </p:cNvPr>
+          <p:cNvSpPr/>
+          <p:nvPr/>
+        </p:nvSpPr>
+        <p:spPr>
+          <a:xfrm>
+            <a:off x="5116554" y="2656121"/>
+            <a:ext cx="2325404" cy="1024464"/>
+          </a:xfrm>
+          <a:prstGeom prst="rect">
+            <a:avLst/>
+          </a:prstGeom>
+        </p:spPr>
+        <p:style>
+          <a:lnRef idx="2">
+            <a:schemeClr val="accent4">
+              <a:shade val="15000"/>
+            </a:schemeClr>
+          </a:lnRef>
+          <a:fillRef idx="1">
+            <a:schemeClr val="accent4"/>
+          </a:fillRef>
+          <a:effectRef idx="0">
+            <a:schemeClr val="accent4"/>
+          </a:effectRef>
+          <a:fontRef idx="minor">
+            <a:schemeClr val="lt1"/>
+          </a:fontRef>
+        </p:style>
+        <p:txBody>
+          <a:bodyPr rtlCol="0" anchor="t"/>
+          <a:lstStyle/>
+          <a:p>
+            <a:pPr algn="ctr"/>
+            <a:r>
+              <a:rPr lang="de-CH" sz="1600" b="1" dirty="0"/>
+              <a:t>Static</a:t>
+            </a:r>
+          </a:p>
+          <a:p>
+            <a:pPr algn="ctr"/>
+            <a:r>
+              <a:rPr lang="de-CH" sz="1600" dirty="0"/>
+              <a:t>Home</a:t>
+            </a:r>
+          </a:p>
+          <a:p>
+            <a:pPr algn="ctr"/>
+            <a:r>
+              <a:rPr lang="de-CH" sz="1600" dirty="0"/>
+              <a:t>Lagerorte</a:t>
+            </a:r>
+          </a:p>
+          <a:p>
+            <a:pPr algn="ctr"/>
+            <a:r>
+              <a:rPr lang="de-CH" sz="1600" dirty="0"/>
+              <a:t>Buchungen</a:t>
+            </a:r>
+          </a:p>
+        </p:txBody>
+      </p:sp>
+      <p:sp>
+        <p:nvSpPr>
+          <p:cNvPr id="16" name="Rechteck 15">
+            <a:extLst>
+              <a:ext uri="{FF2B5EF4-FFF2-40B4-BE49-F238E27FC236}">
+                <a16:creationId xmlns:a16="http://schemas.microsoft.com/office/drawing/2014/main" id="{1A446B6F-A181-2348-F4B6-8F2C9A708327}"/>
+              </a:ext>
+            </a:extLst>
+          </p:cNvPr>
+          <p:cNvSpPr/>
+          <p:nvPr/>
+        </p:nvSpPr>
+        <p:spPr>
+          <a:xfrm>
+            <a:off x="5327884" y="4086744"/>
+            <a:ext cx="1954890" cy="1578921"/>
+          </a:xfrm>
+          <a:prstGeom prst="rect">
+            <a:avLst/>
+          </a:prstGeom>
+          <a:noFill/>
+          <a:ln>
+            <a:solidFill>
+              <a:schemeClr val="bg1"/>
+            </a:solidFill>
+          </a:ln>
+        </p:spPr>
+        <p:style>
+          <a:lnRef idx="2">
+            <a:schemeClr val="accent1">
+              <a:shade val="15000"/>
+            </a:schemeClr>
+          </a:lnRef>
+          <a:fillRef idx="1">
+            <a:schemeClr val="accent1"/>
+          </a:fillRef>
+          <a:effectRef idx="0">
+            <a:schemeClr val="accent1"/>
+          </a:effectRef>
+          <a:fontRef idx="minor">
+            <a:schemeClr val="lt1"/>
+          </a:fontRef>
+        </p:style>
+        <p:txBody>
+          <a:bodyPr rtlCol="0" anchor="ctr"/>
+          <a:lstStyle/>
+          <a:p>
+            <a:pPr algn="ctr"/>
+            <a:endParaRPr lang="de-CH"/>
+          </a:p>
+        </p:txBody>
+      </p:sp>
+      <p:sp>
+        <p:nvSpPr>
+          <p:cNvPr id="17" name="Pfeil: nach links und rechts 16">
+            <a:extLst>
+              <a:ext uri="{FF2B5EF4-FFF2-40B4-BE49-F238E27FC236}">
+                <a16:creationId xmlns:a16="http://schemas.microsoft.com/office/drawing/2014/main" id="{5B6DB46A-6AFC-A2E8-ACAB-EAA08778361B}"/>
+              </a:ext>
+            </a:extLst>
+          </p:cNvPr>
+          <p:cNvSpPr/>
+          <p:nvPr/>
+        </p:nvSpPr>
+        <p:spPr>
+          <a:xfrm>
+            <a:off x="3736932" y="3341543"/>
+            <a:ext cx="1033080" cy="810497"/>
+          </a:xfrm>
+          <a:prstGeom prst="leftRightArrow">
+            <a:avLst>
+              <a:gd name="adj1" fmla="val 75371"/>
+              <a:gd name="adj2" fmla="val 24629"/>
+            </a:avLst>
+          </a:prstGeom>
+        </p:spPr>
+        <p:style>
+          <a:lnRef idx="2">
+            <a:schemeClr val="accent1">
+              <a:shade val="15000"/>
+            </a:schemeClr>
+          </a:lnRef>
+          <a:fillRef idx="1">
+            <a:schemeClr val="accent1"/>
+          </a:fillRef>
+          <a:effectRef idx="0">
+            <a:schemeClr val="accent1"/>
+          </a:effectRef>
+          <a:fontRef idx="minor">
+            <a:schemeClr val="lt1"/>
+          </a:fontRef>
+        </p:style>
+        <p:txBody>
+          <a:bodyPr rtlCol="0" anchor="ctr"/>
+          <a:lstStyle/>
+          <a:p>
+            <a:pPr algn="ctr"/>
+            <a:r>
+              <a:rPr lang="de-CH" dirty="0"/>
+              <a:t>SQL</a:t>
+            </a:r>
+          </a:p>
+        </p:txBody>
+      </p:sp>
+      <p:sp>
+        <p:nvSpPr>
+          <p:cNvPr id="18" name="Pfeil: nach links und rechts 17">
+            <a:extLst>
+              <a:ext uri="{FF2B5EF4-FFF2-40B4-BE49-F238E27FC236}">
+                <a16:creationId xmlns:a16="http://schemas.microsoft.com/office/drawing/2014/main" id="{8766AFAE-894C-6F01-F163-7C711A9EC4B4}"/>
+              </a:ext>
+            </a:extLst>
+          </p:cNvPr>
+          <p:cNvSpPr/>
+          <p:nvPr/>
+        </p:nvSpPr>
+        <p:spPr>
+          <a:xfrm>
+            <a:off x="7678055" y="2835446"/>
+            <a:ext cx="1242471" cy="1676984"/>
+          </a:xfrm>
+          <a:prstGeom prst="leftRightArrow">
+            <a:avLst>
+              <a:gd name="adj1" fmla="val 75371"/>
+              <a:gd name="adj2" fmla="val 24629"/>
+            </a:avLst>
+          </a:prstGeom>
+        </p:spPr>
+        <p:style>
+          <a:lnRef idx="2">
+            <a:schemeClr val="accent1">
+              <a:shade val="15000"/>
+            </a:schemeClr>
+          </a:lnRef>
+          <a:fillRef idx="1">
+            <a:schemeClr val="accent1"/>
+          </a:fillRef>
+          <a:effectRef idx="0">
+            <a:schemeClr val="accent1"/>
+          </a:effectRef>
+          <a:fontRef idx="minor">
+            <a:schemeClr val="lt1"/>
+          </a:fontRef>
+        </p:style>
+        <p:txBody>
+          <a:bodyPr rtlCol="0" anchor="ctr"/>
+          <a:lstStyle/>
+          <a:p>
+            <a:pPr algn="ctr"/>
+            <a:r>
+              <a:rPr lang="de-CH" dirty="0"/>
+              <a:t>POST</a:t>
+            </a:r>
+          </a:p>
+          <a:p>
+            <a:pPr algn="ctr"/>
+            <a:r>
+              <a:rPr lang="de-CH" dirty="0"/>
+              <a:t>GET</a:t>
+            </a:r>
+          </a:p>
+          <a:p>
+            <a:pPr algn="ctr"/>
+            <a:endParaRPr lang="de-CH" dirty="0"/>
+          </a:p>
+          <a:p>
+            <a:pPr algn="ctr"/>
+            <a:r>
+              <a:rPr lang="de-CH" dirty="0"/>
+              <a:t>JSON</a:t>
+            </a:r>
+          </a:p>
+        </p:txBody>
+      </p:sp>
+      <p:sp>
+        <p:nvSpPr>
+          <p:cNvPr id="19" name="Rechteck 18">
+            <a:extLst>
+              <a:ext uri="{FF2B5EF4-FFF2-40B4-BE49-F238E27FC236}">
+                <a16:creationId xmlns:a16="http://schemas.microsoft.com/office/drawing/2014/main" id="{E99D3DF6-6B75-10EC-1455-6F3FFA794191}"/>
+              </a:ext>
+            </a:extLst>
+          </p:cNvPr>
+          <p:cNvSpPr/>
+          <p:nvPr/>
+        </p:nvSpPr>
+        <p:spPr>
+          <a:xfrm>
+            <a:off x="8920526" y="2746880"/>
+            <a:ext cx="2771264" cy="2658710"/>
+          </a:xfrm>
+          <a:prstGeom prst="rect">
+            <a:avLst/>
+          </a:prstGeom>
+        </p:spPr>
+        <p:style>
+          <a:lnRef idx="2">
+            <a:schemeClr val="accent1">
+              <a:shade val="15000"/>
+            </a:schemeClr>
+          </a:lnRef>
+          <a:fillRef idx="1">
+            <a:schemeClr val="accent1"/>
+          </a:fillRef>
+          <a:effectRef idx="0">
+            <a:schemeClr val="accent1"/>
+          </a:effectRef>
+          <a:fontRef idx="minor">
+            <a:schemeClr val="lt1"/>
+          </a:fontRef>
+        </p:style>
+        <p:txBody>
+          <a:bodyPr rtlCol="0" anchor="t"/>
+          <a:lstStyle/>
+          <a:p>
+            <a:pPr algn="ctr"/>
+            <a:r>
+              <a:rPr lang="de-CH" dirty="0"/>
+              <a:t>Client</a:t>
+            </a:r>
+          </a:p>
+        </p:txBody>
+      </p:sp>
+      <p:sp>
+        <p:nvSpPr>
+          <p:cNvPr id="20" name="Rechteck 19">
+            <a:extLst>
+              <a:ext uri="{FF2B5EF4-FFF2-40B4-BE49-F238E27FC236}">
+                <a16:creationId xmlns:a16="http://schemas.microsoft.com/office/drawing/2014/main" id="{1B65EC65-C3D8-384B-CEB3-7B8793865878}"/>
+              </a:ext>
+            </a:extLst>
+          </p:cNvPr>
+          <p:cNvSpPr/>
+          <p:nvPr/>
+        </p:nvSpPr>
+        <p:spPr>
+          <a:xfrm>
+            <a:off x="10477500" y="3707723"/>
+            <a:ext cx="1113828" cy="1071595"/>
+          </a:xfrm>
+          <a:prstGeom prst="rect">
+            <a:avLst/>
+          </a:prstGeom>
+          <a:solidFill>
+            <a:schemeClr val="bg1"/>
+          </a:solidFill>
+        </p:spPr>
+        <p:style>
+          <a:lnRef idx="2">
+            <a:schemeClr val="accent2">
+              <a:shade val="15000"/>
+            </a:schemeClr>
+          </a:lnRef>
+          <a:fillRef idx="1">
+            <a:schemeClr val="accent2"/>
+          </a:fillRef>
+          <a:effectRef idx="0">
+            <a:schemeClr val="accent2"/>
+          </a:effectRef>
+          <a:fontRef idx="minor">
+            <a:schemeClr val="lt1"/>
+          </a:fontRef>
+        </p:style>
+        <p:txBody>
+          <a:bodyPr rtlCol="0" anchor="t"/>
+          <a:lstStyle/>
+          <a:p>
+            <a:pPr algn="ctr"/>
+            <a:r>
+              <a:rPr lang="de-CH" dirty="0">
+                <a:solidFill>
+                  <a:schemeClr val="tx1"/>
+                </a:solidFill>
+              </a:rPr>
+              <a:t>Klasse</a:t>
+            </a:r>
+          </a:p>
+          <a:p>
+            <a:pPr algn="ctr"/>
+            <a:r>
+              <a:rPr lang="de-CH" dirty="0">
+                <a:solidFill>
+                  <a:schemeClr val="tx1"/>
+                </a:solidFill>
+              </a:rPr>
+              <a:t>Tabelle.js </a:t>
+            </a:r>
+          </a:p>
+        </p:txBody>
+      </p:sp>
+      <p:sp>
+        <p:nvSpPr>
+          <p:cNvPr id="21" name="Rechteck 20">
+            <a:extLst>
+              <a:ext uri="{FF2B5EF4-FFF2-40B4-BE49-F238E27FC236}">
+                <a16:creationId xmlns:a16="http://schemas.microsoft.com/office/drawing/2014/main" id="{09441E66-D554-A5F4-27A3-6679B111CCF5}"/>
+              </a:ext>
+            </a:extLst>
+          </p:cNvPr>
+          <p:cNvSpPr/>
+          <p:nvPr/>
+        </p:nvSpPr>
+        <p:spPr>
+          <a:xfrm>
+            <a:off x="8933988" y="3707723"/>
+            <a:ext cx="1416512" cy="492955"/>
+          </a:xfrm>
+          <a:prstGeom prst="rect">
+            <a:avLst/>
+          </a:prstGeom>
+        </p:spPr>
+        <p:style>
+          <a:lnRef idx="2">
+            <a:schemeClr val="accent4">
+              <a:shade val="15000"/>
+            </a:schemeClr>
+          </a:lnRef>
+          <a:fillRef idx="1">
+            <a:schemeClr val="accent4"/>
+          </a:fillRef>
+          <a:effectRef idx="0">
+            <a:schemeClr val="accent4"/>
+          </a:effectRef>
+          <a:fontRef idx="minor">
+            <a:schemeClr val="lt1"/>
+          </a:fontRef>
+        </p:style>
+        <p:txBody>
+          <a:bodyPr rtlCol="0" anchor="t"/>
+          <a:lstStyle/>
+          <a:p>
+            <a:pPr algn="ctr"/>
+            <a:r>
+              <a:rPr lang="de-CH" sz="1600" b="1" dirty="0"/>
+              <a:t>Home</a:t>
+            </a:r>
+            <a:endParaRPr lang="de-CH" sz="1600" dirty="0"/>
+          </a:p>
+        </p:txBody>
+      </p:sp>
+      <p:sp>
+        <p:nvSpPr>
+          <p:cNvPr id="22" name="Textfeld 21">
+            <a:extLst>
+              <a:ext uri="{FF2B5EF4-FFF2-40B4-BE49-F238E27FC236}">
+                <a16:creationId xmlns:a16="http://schemas.microsoft.com/office/drawing/2014/main" id="{EAB1B885-9A66-0AC0-8548-872A2E40824A}"/>
+              </a:ext>
+            </a:extLst>
+          </p:cNvPr>
+          <p:cNvSpPr txBox="1"/>
+          <p:nvPr/>
+        </p:nvSpPr>
+        <p:spPr>
+          <a:xfrm>
+            <a:off x="9287252" y="3314262"/>
+            <a:ext cx="875745" cy="307777"/>
+          </a:xfrm>
+          <a:prstGeom prst="rect">
+            <a:avLst/>
+          </a:prstGeom>
+          <a:noFill/>
+        </p:spPr>
+        <p:txBody>
+          <a:bodyPr wrap="square" rtlCol="0">
+            <a:spAutoFit/>
+          </a:bodyPr>
+          <a:lstStyle/>
+          <a:p>
+            <a:r>
+              <a:rPr lang="de-CH" sz="1400" dirty="0">
+                <a:solidFill>
+                  <a:schemeClr val="bg1"/>
+                </a:solidFill>
+              </a:rPr>
+              <a:t>HTML</a:t>
+            </a:r>
+          </a:p>
+        </p:txBody>
+      </p:sp>
+      <p:sp>
+        <p:nvSpPr>
+          <p:cNvPr id="23" name="Textfeld 22">
+            <a:extLst>
+              <a:ext uri="{FF2B5EF4-FFF2-40B4-BE49-F238E27FC236}">
+                <a16:creationId xmlns:a16="http://schemas.microsoft.com/office/drawing/2014/main" id="{BA924668-B551-1098-A11E-FB36B393348A}"/>
+              </a:ext>
+            </a:extLst>
+          </p:cNvPr>
+          <p:cNvSpPr txBox="1"/>
+          <p:nvPr/>
+        </p:nvSpPr>
+        <p:spPr>
+          <a:xfrm>
+            <a:off x="10829507" y="3314261"/>
+            <a:ext cx="875745" cy="307777"/>
+          </a:xfrm>
+          <a:prstGeom prst="rect">
+            <a:avLst/>
+          </a:prstGeom>
+          <a:noFill/>
+        </p:spPr>
+        <p:txBody>
+          <a:bodyPr wrap="square" rtlCol="0">
+            <a:spAutoFit/>
+          </a:bodyPr>
+          <a:lstStyle/>
+          <a:p>
+            <a:r>
+              <a:rPr lang="de-CH" sz="1400" dirty="0">
+                <a:solidFill>
+                  <a:schemeClr val="bg1"/>
+                </a:solidFill>
+              </a:rPr>
+              <a:t>JS</a:t>
+            </a:r>
+          </a:p>
+        </p:txBody>
+      </p:sp>
+      <p:sp>
+        <p:nvSpPr>
+          <p:cNvPr id="24" name="Rechteck 23">
+            <a:extLst>
+              <a:ext uri="{FF2B5EF4-FFF2-40B4-BE49-F238E27FC236}">
+                <a16:creationId xmlns:a16="http://schemas.microsoft.com/office/drawing/2014/main" id="{3D793AF3-0865-8D15-736A-C2F77A48FD9A}"/>
+              </a:ext>
+            </a:extLst>
+          </p:cNvPr>
+          <p:cNvSpPr/>
+          <p:nvPr/>
+        </p:nvSpPr>
+        <p:spPr>
+          <a:xfrm>
+            <a:off x="8933988" y="4286362"/>
+            <a:ext cx="1416512" cy="492955"/>
+          </a:xfrm>
+          <a:prstGeom prst="rect">
+            <a:avLst/>
+          </a:prstGeom>
+        </p:spPr>
+        <p:style>
+          <a:lnRef idx="2">
+            <a:schemeClr val="accent4">
+              <a:shade val="15000"/>
+            </a:schemeClr>
+          </a:lnRef>
+          <a:fillRef idx="1">
+            <a:schemeClr val="accent4"/>
+          </a:fillRef>
+          <a:effectRef idx="0">
+            <a:schemeClr val="accent4"/>
+          </a:effectRef>
+          <a:fontRef idx="minor">
+            <a:schemeClr val="lt1"/>
+          </a:fontRef>
+        </p:style>
+        <p:txBody>
+          <a:bodyPr rtlCol="0" anchor="t"/>
+          <a:lstStyle/>
+          <a:p>
+            <a:pPr algn="ctr"/>
+            <a:r>
+              <a:rPr lang="de-CH" sz="1600" b="1" dirty="0"/>
+              <a:t>Lagerorte</a:t>
+            </a:r>
+            <a:endParaRPr lang="de-CH" sz="1600" dirty="0"/>
+          </a:p>
+        </p:txBody>
+      </p:sp>
+      <p:sp>
+        <p:nvSpPr>
+          <p:cNvPr id="25" name="Rechteck 24">
+            <a:extLst>
+              <a:ext uri="{FF2B5EF4-FFF2-40B4-BE49-F238E27FC236}">
+                <a16:creationId xmlns:a16="http://schemas.microsoft.com/office/drawing/2014/main" id="{49C60A9B-7A02-289E-CA08-331C12F83068}"/>
+              </a:ext>
+            </a:extLst>
+          </p:cNvPr>
+          <p:cNvSpPr/>
+          <p:nvPr/>
+        </p:nvSpPr>
+        <p:spPr>
+          <a:xfrm>
+            <a:off x="8933988" y="4861337"/>
+            <a:ext cx="1416512" cy="492955"/>
+          </a:xfrm>
+          <a:prstGeom prst="rect">
+            <a:avLst/>
+          </a:prstGeom>
+        </p:spPr>
+        <p:style>
+          <a:lnRef idx="2">
+            <a:schemeClr val="accent4">
+              <a:shade val="15000"/>
+            </a:schemeClr>
+          </a:lnRef>
+          <a:fillRef idx="1">
+            <a:schemeClr val="accent4"/>
+          </a:fillRef>
+          <a:effectRef idx="0">
+            <a:schemeClr val="accent4"/>
+          </a:effectRef>
+          <a:fontRef idx="minor">
+            <a:schemeClr val="lt1"/>
+          </a:fontRef>
+        </p:style>
+        <p:txBody>
+          <a:bodyPr rtlCol="0" anchor="t"/>
+          <a:lstStyle/>
+          <a:p>
+            <a:pPr algn="ctr"/>
+            <a:r>
+              <a:rPr lang="de-CH" sz="1600" b="1" dirty="0"/>
+              <a:t>Buchungen</a:t>
+            </a:r>
+            <a:endParaRPr lang="de-CH" sz="1600" dirty="0"/>
+          </a:p>
+        </p:txBody>
+      </p:sp>
+    </p:spTree>
+    <p:extLst>
+      <p:ext uri="{BB962C8B-B14F-4D97-AF65-F5344CB8AC3E}">
+        <p14:creationId xmlns:p14="http://schemas.microsoft.com/office/powerpoint/2010/main" val="2255550278"/>
       </p:ext>
     </p:extLst>
   </p:cSld>
@@ -4981,4 +6730,319 @@
     </a:ext>
   </a:extLst>
 </a:theme>
+</file>
+
+<file path=ppt/theme/theme2.xml><?xml version="1.0" encoding="utf-8"?>
+<a:theme xmlns:a="http://schemas.openxmlformats.org/drawingml/2006/main" name="Office">
+  <a:themeElements>
+    <a:clrScheme name="Office">
+      <a:dk1>
+        <a:sysClr val="windowText" lastClr="000000"/>
+      </a:dk1>
+      <a:lt1>
+        <a:sysClr val="window" lastClr="FFFFFF"/>
+      </a:lt1>
+      <a:dk2>
+        <a:srgbClr val="0E2841"/>
+      </a:dk2>
+      <a:lt2>
+        <a:srgbClr val="E8E8E8"/>
+      </a:lt2>
+      <a:accent1>
+        <a:srgbClr val="156082"/>
+      </a:accent1>
+      <a:accent2>
+        <a:srgbClr val="E97132"/>
+      </a:accent2>
+      <a:accent3>
+        <a:srgbClr val="196B24"/>
+      </a:accent3>
+      <a:accent4>
+        <a:srgbClr val="0F9ED5"/>
+      </a:accent4>
+      <a:accent5>
+        <a:srgbClr val="A02B93"/>
+      </a:accent5>
+      <a:accent6>
+        <a:srgbClr val="4EA72E"/>
+      </a:accent6>
+      <a:hlink>
+        <a:srgbClr val="467886"/>
+      </a:hlink>
+      <a:folHlink>
+        <a:srgbClr val="96607D"/>
+      </a:folHlink>
+    </a:clrScheme>
+    <a:fontScheme name="Office">
+      <a:majorFont>
+        <a:latin typeface="Aptos Display" panose="02110004020202020204"/>
+        <a:ea typeface=""/>
+        <a:cs typeface=""/>
+        <a:font script="Jpan" typeface="游ゴシック Light"/>
+        <a:font script="Hang" typeface="맑은 고딕"/>
+        <a:font script="Hans" typeface="等线 Light"/>
+        <a:font script="Hant" typeface="新細明體"/>
+        <a:font script="Arab" typeface="Times New Roman"/>
+        <a:font script="Hebr" typeface="Times New Roman"/>
+        <a:font script="Thai" typeface="Angsana New"/>
+        <a:font script="Ethi" typeface="Nyala"/>
+        <a:font script="Beng" typeface="Vrinda"/>
+        <a:font script="Gujr" typeface="Shruti"/>
+        <a:font script="Khmr" typeface="MoolBoran"/>
+        <a:font script="Knda" typeface="Tunga"/>
+        <a:font script="Guru" typeface="Raavi"/>
+        <a:font script="Cans" typeface="Euphemia"/>
+        <a:font script="Cher" typeface="Plantagenet Cherokee"/>
+        <a:font script="Yiii" typeface="Microsoft Yi Baiti"/>
+        <a:font script="Tibt" typeface="Microsoft Himalaya"/>
+        <a:font script="Thaa" typeface="MV Boli"/>
+        <a:font script="Deva" typeface="Mangal"/>
+        <a:font script="Telu" typeface="Gautami"/>
+        <a:font script="Taml" typeface="Latha"/>
+        <a:font script="Syrc" typeface="Estrangelo Edessa"/>
+        <a:font script="Orya" typeface="Kalinga"/>
+        <a:font script="Mlym" typeface="Kartika"/>
+        <a:font script="Laoo" typeface="DokChampa"/>
+        <a:font script="Sinh" typeface="Iskoola Pota"/>
+        <a:font script="Mong" typeface="Mongolian Baiti"/>
+        <a:font script="Viet" typeface="Times New Roman"/>
+        <a:font script="Uigh" typeface="Microsoft Uighur"/>
+        <a:font script="Geor" typeface="Sylfaen"/>
+        <a:font script="Armn" typeface="Arial"/>
+        <a:font script="Bugi" typeface="Leelawadee UI"/>
+        <a:font script="Bopo" typeface="Microsoft JhengHei"/>
+        <a:font script="Java" typeface="Javanese Text"/>
+        <a:font script="Lisu" typeface="Segoe UI"/>
+        <a:font script="Mymr" typeface="Myanmar Text"/>
+        <a:font script="Nkoo" typeface="Ebrima"/>
+        <a:font script="Olck" typeface="Nirmala UI"/>
+        <a:font script="Osma" typeface="Ebrima"/>
+        <a:font script="Phag" typeface="Phagspa"/>
+        <a:font script="Syrn" typeface="Estrangelo Edessa"/>
+        <a:font script="Syrj" typeface="Estrangelo Edessa"/>
+        <a:font script="Syre" typeface="Estrangelo Edessa"/>
+        <a:font script="Sora" typeface="Nirmala UI"/>
+        <a:font script="Tale" typeface="Microsoft Tai Le"/>
+        <a:font script="Talu" typeface="Microsoft New Tai Lue"/>
+        <a:font script="Tfng" typeface="Ebrima"/>
+      </a:majorFont>
+      <a:minorFont>
+        <a:latin typeface="Aptos" panose="02110004020202020204"/>
+        <a:ea typeface=""/>
+        <a:cs typeface=""/>
+        <a:font script="Jpan" typeface="游ゴシック"/>
+        <a:font script="Hang" typeface="맑은 고딕"/>
+        <a:font script="Hans" typeface="等线"/>
+        <a:font script="Hant" typeface="新細明體"/>
+        <a:font script="Arab" typeface="Arial"/>
+        <a:font script="Hebr" typeface="Arial"/>
+        <a:font script="Thai" typeface="Cordia New"/>
+        <a:font script="Ethi" typeface="Nyala"/>
+        <a:font script="Beng" typeface="Vrinda"/>
+        <a:font script="Gujr" typeface="Shruti"/>
+        <a:font script="Khmr" typeface="DaunPenh"/>
+        <a:font script="Knda" typeface="Tunga"/>
+        <a:font script="Guru" typeface="Raavi"/>
+        <a:font script="Cans" typeface="Euphemia"/>
+        <a:font script="Cher" typeface="Plantagenet Cherokee"/>
+        <a:font script="Yiii" typeface="Microsoft Yi Baiti"/>
+        <a:font script="Tibt" typeface="Microsoft Himalaya"/>
+        <a:font script="Thaa" typeface="MV Boli"/>
+        <a:font script="Deva" typeface="Mangal"/>
+        <a:font script="Telu" typeface="Gautami"/>
+        <a:font script="Taml" typeface="Latha"/>
+        <a:font script="Syrc" typeface="Estrangelo Edessa"/>
+        <a:font script="Orya" typeface="Kalinga"/>
+        <a:font script="Mlym" typeface="Kartika"/>
+        <a:font script="Laoo" typeface="DokChampa"/>
+        <a:font script="Sinh" typeface="Iskoola Pota"/>
+        <a:font script="Mong" typeface="Mongolian Baiti"/>
+        <a:font script="Viet" typeface="Arial"/>
+        <a:font script="Uigh" typeface="Microsoft Uighur"/>
+        <a:font script="Geor" typeface="Sylfaen"/>
+        <a:font script="Armn" typeface="Arial"/>
+        <a:font script="Bugi" typeface="Leelawadee UI"/>
+        <a:font script="Bopo" typeface="Microsoft JhengHei"/>
+        <a:font script="Java" typeface="Javanese Text"/>
+        <a:font script="Lisu" typeface="Segoe UI"/>
+        <a:font script="Mymr" typeface="Myanmar Text"/>
+        <a:font script="Nkoo" typeface="Ebrima"/>
+        <a:font script="Olck" typeface="Nirmala UI"/>
+        <a:font script="Osma" typeface="Ebrima"/>
+        <a:font script="Phag" typeface="Phagspa"/>
+        <a:font script="Syrn" typeface="Estrangelo Edessa"/>
+        <a:font script="Syrj" typeface="Estrangelo Edessa"/>
+        <a:font script="Syre" typeface="Estrangelo Edessa"/>
+        <a:font script="Sora" typeface="Nirmala UI"/>
+        <a:font script="Tale" typeface="Microsoft Tai Le"/>
+        <a:font script="Talu" typeface="Microsoft New Tai Lue"/>
+        <a:font script="Tfng" typeface="Ebrima"/>
+      </a:minorFont>
+    </a:fontScheme>
+    <a:fmtScheme name="Office">
+      <a:fillStyleLst>
+        <a:solidFill>
+          <a:schemeClr val="phClr"/>
+        </a:solidFill>
+        <a:gradFill rotWithShape="1">
+          <a:gsLst>
+            <a:gs pos="0">
+              <a:schemeClr val="phClr">
+                <a:lumMod val="110000"/>
+                <a:satMod val="105000"/>
+                <a:tint val="67000"/>
+              </a:schemeClr>
+            </a:gs>
+            <a:gs pos="50000">
+              <a:schemeClr val="phClr">
+                <a:lumMod val="105000"/>
+                <a:satMod val="103000"/>
+                <a:tint val="73000"/>
+              </a:schemeClr>
+            </a:gs>
+            <a:gs pos="100000">
+              <a:schemeClr val="phClr">
+                <a:lumMod val="105000"/>
+                <a:satMod val="109000"/>
+                <a:tint val="81000"/>
+              </a:schemeClr>
+            </a:gs>
+          </a:gsLst>
+          <a:lin ang="5400000" scaled="0"/>
+        </a:gradFill>
+        <a:gradFill rotWithShape="1">
+          <a:gsLst>
+            <a:gs pos="0">
+              <a:schemeClr val="phClr">
+                <a:satMod val="103000"/>
+                <a:lumMod val="102000"/>
+                <a:tint val="94000"/>
+              </a:schemeClr>
+            </a:gs>
+            <a:gs pos="50000">
+              <a:schemeClr val="phClr">
+                <a:satMod val="110000"/>
+                <a:lumMod val="100000"/>
+                <a:shade val="100000"/>
+              </a:schemeClr>
+            </a:gs>
+            <a:gs pos="100000">
+              <a:schemeClr val="phClr">
+                <a:lumMod val="99000"/>
+                <a:satMod val="120000"/>
+                <a:shade val="78000"/>
+              </a:schemeClr>
+            </a:gs>
+          </a:gsLst>
+          <a:lin ang="5400000" scaled="0"/>
+        </a:gradFill>
+      </a:fillStyleLst>
+      <a:lnStyleLst>
+        <a:ln w="12700" cap="flat" cmpd="sng" algn="ctr">
+          <a:solidFill>
+            <a:schemeClr val="phClr"/>
+          </a:solidFill>
+          <a:prstDash val="solid"/>
+          <a:miter lim="800000"/>
+        </a:ln>
+        <a:ln w="19050" cap="flat" cmpd="sng" algn="ctr">
+          <a:solidFill>
+            <a:schemeClr val="phClr"/>
+          </a:solidFill>
+          <a:prstDash val="solid"/>
+          <a:miter lim="800000"/>
+        </a:ln>
+        <a:ln w="25400" cap="flat" cmpd="sng" algn="ctr">
+          <a:solidFill>
+            <a:schemeClr val="phClr"/>
+          </a:solidFill>
+          <a:prstDash val="solid"/>
+          <a:miter lim="800000"/>
+        </a:ln>
+      </a:lnStyleLst>
+      <a:effectStyleLst>
+        <a:effectStyle>
+          <a:effectLst/>
+        </a:effectStyle>
+        <a:effectStyle>
+          <a:effectLst/>
+        </a:effectStyle>
+        <a:effectStyle>
+          <a:effectLst>
+            <a:outerShdw blurRad="57150" dist="19050" dir="5400000" algn="ctr" rotWithShape="0">
+              <a:srgbClr val="000000">
+                <a:alpha val="63000"/>
+              </a:srgbClr>
+            </a:outerShdw>
+          </a:effectLst>
+        </a:effectStyle>
+      </a:effectStyleLst>
+      <a:bgFillStyleLst>
+        <a:solidFill>
+          <a:schemeClr val="phClr"/>
+        </a:solidFill>
+        <a:solidFill>
+          <a:schemeClr val="phClr">
+            <a:tint val="95000"/>
+            <a:satMod val="170000"/>
+          </a:schemeClr>
+        </a:solidFill>
+        <a:gradFill rotWithShape="1">
+          <a:gsLst>
+            <a:gs pos="0">
+              <a:schemeClr val="phClr">
+                <a:tint val="93000"/>
+                <a:satMod val="150000"/>
+                <a:shade val="98000"/>
+                <a:lumMod val="102000"/>
+              </a:schemeClr>
+            </a:gs>
+            <a:gs pos="50000">
+              <a:schemeClr val="phClr">
+                <a:tint val="98000"/>
+                <a:satMod val="130000"/>
+                <a:shade val="90000"/>
+                <a:lumMod val="103000"/>
+              </a:schemeClr>
+            </a:gs>
+            <a:gs pos="100000">
+              <a:schemeClr val="phClr">
+                <a:shade val="63000"/>
+                <a:satMod val="120000"/>
+              </a:schemeClr>
+            </a:gs>
+          </a:gsLst>
+          <a:lin ang="5400000" scaled="0"/>
+        </a:gradFill>
+      </a:bgFillStyleLst>
+    </a:fmtScheme>
+  </a:themeElements>
+  <a:objectDefaults>
+    <a:lnDef>
+      <a:spPr/>
+      <a:bodyPr/>
+      <a:lstStyle/>
+      <a:style>
+        <a:lnRef idx="2">
+          <a:schemeClr val="accent1"/>
+        </a:lnRef>
+        <a:fillRef idx="0">
+          <a:schemeClr val="accent1"/>
+        </a:fillRef>
+        <a:effectRef idx="1">
+          <a:schemeClr val="accent1"/>
+        </a:effectRef>
+        <a:fontRef idx="minor">
+          <a:schemeClr val="tx1"/>
+        </a:fontRef>
+      </a:style>
+    </a:lnDef>
+  </a:objectDefaults>
+  <a:extraClrSchemeLst/>
+  <a:extLst>
+    <a:ext uri="{05A4C25C-085E-4340-85A3-A5531E510DB2}">
+      <thm15:themeFamily xmlns:thm15="http://schemas.microsoft.com/office/thememl/2012/main" name="Office Theme" id="{2E142A2C-CD16-42D6-873A-C26D2A0506FA}" vid="{1BDDFF52-6CD6-40A5-AB3C-68EB2F1E4D0A}"/>
+    </a:ext>
+  </a:extLst>
+</a:theme>
 </file>
--- a/Kleinteile Regal präsentation.pptx
+++ b/Kleinteile Regal präsentation.pptx
@@ -618,7 +618,7 @@
           <a:bodyPr/>
           <a:lstStyle/>
           <a:p>
-            <a:endParaRPr lang="de-CH"/>
+            <a:endParaRPr lang="de-CH" dirty="0"/>
           </a:p>
         </p:txBody>
       </p:sp>
@@ -5268,7 +5268,7 @@
 </file>
 
 <file path=ppt/slides/slide7.xml><?xml version="1.0" encoding="utf-8"?>
-<p:sld xmlns:a="http://schemas.openxmlformats.org/drawingml/2006/main" xmlns:r="http://schemas.openxmlformats.org/officeDocument/2006/relationships" xmlns:p="http://schemas.openxmlformats.org/presentationml/2006/main">
+<p:sld xmlns:a="http://schemas.openxmlformats.org/drawingml/2006/main" xmlns:r="http://schemas.openxmlformats.org/officeDocument/2006/relationships" xmlns:p="http://schemas.openxmlformats.org/presentationml/2006/main" show="0">
   <p:cSld>
     <p:spTree>
       <p:nvGrpSpPr>

--- a/Kleinteile Regal präsentation.pptx
+++ b/Kleinteile Regal präsentation.pptx
@@ -5,16 +5,15 @@
     <p:sldMasterId id="2147483648" r:id="rId1"/>
   </p:sldMasterIdLst>
   <p:notesMasterIdLst>
-    <p:notesMasterId r:id="rId9"/>
+    <p:notesMasterId r:id="rId8"/>
   </p:notesMasterIdLst>
   <p:sldIdLst>
     <p:sldId id="256" r:id="rId2"/>
     <p:sldId id="257" r:id="rId3"/>
     <p:sldId id="258" r:id="rId4"/>
     <p:sldId id="259" r:id="rId5"/>
-    <p:sldId id="260" r:id="rId6"/>
-    <p:sldId id="261" r:id="rId7"/>
-    <p:sldId id="262" r:id="rId8"/>
+    <p:sldId id="261" r:id="rId6"/>
+    <p:sldId id="262" r:id="rId7"/>
   </p:sldIdLst>
   <p:sldSz cx="12192000" cy="6858000"/>
   <p:notesSz cx="6858000" cy="9144000"/>
@@ -639,7 +638,7 @@
           <a:p>
             <a:fld id="{59DEADAC-3A4F-4E09-9D20-B2BC7FCBFF1D}" type="slidenum">
               <a:rPr lang="de-CH" smtClean="0"/>
-              <a:t>7</a:t>
+              <a:t>6</a:t>
             </a:fld>
             <a:endParaRPr lang="de-CH"/>
           </a:p>
@@ -4147,11 +4146,11 @@
           <a:p>
             <a:r>
               <a:rPr lang="de-CH" dirty="0"/>
-              <a:t>Kleinteilelager Buchungssystem für </a:t>
+              <a:t>Kleinteilelager Buchungssystem für T. </a:t>
             </a:r>
             <a:r>
               <a:rPr lang="de-CH" dirty="0" err="1"/>
-              <a:t>T.Abplanalp’s</a:t>
+              <a:t>Abplanalp’s</a:t>
             </a:r>
             <a:r>
               <a:rPr lang="de-CH" dirty="0"/>
@@ -5080,6 +5079,10 @@
           <a:bodyPr/>
           <a:lstStyle/>
           <a:p>
+            <a:r>
+              <a:rPr lang="de-CH" dirty="0"/>
+              <a:t>Tabellen als </a:t>
+            </a:r>
             <a:r>
               <a:rPr lang="de-CH" dirty="0" err="1"/>
               <a:t>Javascript</a:t>
@@ -5168,64 +5171,6 @@
           <p:cNvPr id="2" name="Titel 1">
             <a:extLst>
               <a:ext uri="{FF2B5EF4-FFF2-40B4-BE49-F238E27FC236}">
-                <a16:creationId xmlns:a16="http://schemas.microsoft.com/office/drawing/2014/main" id="{C7FEBA17-C645-DF88-BF3B-206A785D0DA6}"/>
-              </a:ext>
-            </a:extLst>
-          </p:cNvPr>
-          <p:cNvSpPr>
-            <a:spLocks noGrp="1"/>
-          </p:cNvSpPr>
-          <p:nvPr>
-            <p:ph type="title"/>
-          </p:nvPr>
-        </p:nvSpPr>
-        <p:spPr/>
-        <p:txBody>
-          <a:bodyPr/>
-          <a:lstStyle/>
-          <a:p>
-            <a:r>
-              <a:rPr lang="de-CH" dirty="0"/>
-              <a:t>Demo</a:t>
-            </a:r>
-          </a:p>
-        </p:txBody>
-      </p:sp>
-    </p:spTree>
-    <p:extLst>
-      <p:ext uri="{BB962C8B-B14F-4D97-AF65-F5344CB8AC3E}">
-        <p14:creationId xmlns:p14="http://schemas.microsoft.com/office/powerpoint/2010/main" val="403197734"/>
-      </p:ext>
-    </p:extLst>
-  </p:cSld>
-  <p:clrMapOvr>
-    <a:masterClrMapping/>
-  </p:clrMapOvr>
-</p:sld>
-</file>
-
-<file path=ppt/slides/slide6.xml><?xml version="1.0" encoding="utf-8"?>
-<p:sld xmlns:a="http://schemas.openxmlformats.org/drawingml/2006/main" xmlns:r="http://schemas.openxmlformats.org/officeDocument/2006/relationships" xmlns:p="http://schemas.openxmlformats.org/presentationml/2006/main">
-  <p:cSld>
-    <p:spTree>
-      <p:nvGrpSpPr>
-        <p:cNvPr id="1" name=""/>
-        <p:cNvGrpSpPr/>
-        <p:nvPr/>
-      </p:nvGrpSpPr>
-      <p:grpSpPr>
-        <a:xfrm>
-          <a:off x="0" y="0"/>
-          <a:ext cx="0" cy="0"/>
-          <a:chOff x="0" y="0"/>
-          <a:chExt cx="0" cy="0"/>
-        </a:xfrm>
-      </p:grpSpPr>
-      <p:sp>
-        <p:nvSpPr>
-          <p:cNvPr id="2" name="Titel 1">
-            <a:extLst>
-              <a:ext uri="{FF2B5EF4-FFF2-40B4-BE49-F238E27FC236}">
                 <a16:creationId xmlns:a16="http://schemas.microsoft.com/office/drawing/2014/main" id="{B295824C-A194-7F5D-9E2C-848481417974}"/>
               </a:ext>
             </a:extLst>
@@ -5267,7 +5212,7 @@
 </p:sld>
 </file>
 
-<file path=ppt/slides/slide7.xml><?xml version="1.0" encoding="utf-8"?>
+<file path=ppt/slides/slide6.xml><?xml version="1.0" encoding="utf-8"?>
 <p:sld xmlns:a="http://schemas.openxmlformats.org/drawingml/2006/main" xmlns:r="http://schemas.openxmlformats.org/officeDocument/2006/relationships" xmlns:p="http://schemas.openxmlformats.org/presentationml/2006/main" show="0">
   <p:cSld>
     <p:spTree>
